--- a/week_8/Module 6 - Model Free Prediction (Monte-Carlo Method).pptx
+++ b/week_8/Module 6 - Model Free Prediction (Monte-Carlo Method).pptx
@@ -6,7 +6,7 @@
     <p:sldMasterId id="2147483660" r:id="rId13"/>
   </p:sldMasterIdLst>
   <p:notesMasterIdLst>
-    <p:notesMasterId r:id="rId25"/>
+    <p:notesMasterId r:id="rId27"/>
   </p:notesMasterIdLst>
   <p:sldIdLst>
     <p:sldId id="256" r:id="rId14"/>
@@ -18,8 +18,10 @@
     <p:sldId id="391" r:id="rId20"/>
     <p:sldId id="387" r:id="rId21"/>
     <p:sldId id="388" r:id="rId22"/>
-    <p:sldId id="385" r:id="rId23"/>
-    <p:sldId id="305" r:id="rId24"/>
+    <p:sldId id="393" r:id="rId23"/>
+    <p:sldId id="394" r:id="rId24"/>
+    <p:sldId id="385" r:id="rId25"/>
+    <p:sldId id="305" r:id="rId26"/>
   </p:sldIdLst>
   <p:sldSz cx="12192000" cy="6858000"/>
   <p:notesSz cx="6858000" cy="9144000"/>
@@ -1887,7 +1889,7 @@
           <a:p>
             <a:fld id="{DCEEA480-FAED-44A7-B0CF-D7F3DF7642EB}" type="datetimeFigureOut">
               <a:rPr lang="en-PH" smtClean="0"/>
-              <a:t>14/05/2023</a:t>
+              <a:t>02/06/2023</a:t>
             </a:fld>
             <a:endParaRPr lang="en-PH"/>
           </a:p>
@@ -2304,7 +2306,7 @@
           <a:p>
             <a:fld id="{E3F2C046-3488-4271-867B-6B64A28EF1DF}" type="datetimeFigureOut">
               <a:rPr lang="en-PH" smtClean="0"/>
-              <a:t>14/05/2023</a:t>
+              <a:t>02/06/2023</a:t>
             </a:fld>
             <a:endParaRPr lang="en-PH"/>
           </a:p>
@@ -2504,7 +2506,7 @@
           <a:p>
             <a:fld id="{E3F2C046-3488-4271-867B-6B64A28EF1DF}" type="datetimeFigureOut">
               <a:rPr lang="en-PH" smtClean="0"/>
-              <a:t>14/05/2023</a:t>
+              <a:t>02/06/2023</a:t>
             </a:fld>
             <a:endParaRPr lang="en-PH"/>
           </a:p>
@@ -2714,7 +2716,7 @@
           <a:p>
             <a:fld id="{E3F2C046-3488-4271-867B-6B64A28EF1DF}" type="datetimeFigureOut">
               <a:rPr lang="en-PH" smtClean="0"/>
-              <a:t>14/05/2023</a:t>
+              <a:t>02/06/2023</a:t>
             </a:fld>
             <a:endParaRPr lang="en-PH"/>
           </a:p>
@@ -2974,7 +2976,7 @@
           <a:p>
             <a:fld id="{E3F2C046-3488-4271-867B-6B64A28EF1DF}" type="datetimeFigureOut">
               <a:rPr lang="en-PH" smtClean="0"/>
-              <a:t>14/05/2023</a:t>
+              <a:t>02/06/2023</a:t>
             </a:fld>
             <a:endParaRPr lang="en-PH"/>
           </a:p>
@@ -3250,7 +3252,7 @@
           <a:p>
             <a:fld id="{E3F2C046-3488-4271-867B-6B64A28EF1DF}" type="datetimeFigureOut">
               <a:rPr lang="en-PH" smtClean="0"/>
-              <a:t>14/05/2023</a:t>
+              <a:t>02/06/2023</a:t>
             </a:fld>
             <a:endParaRPr lang="en-PH"/>
           </a:p>
@@ -3518,7 +3520,7 @@
           <a:p>
             <a:fld id="{E3F2C046-3488-4271-867B-6B64A28EF1DF}" type="datetimeFigureOut">
               <a:rPr lang="en-PH" smtClean="0"/>
-              <a:t>14/05/2023</a:t>
+              <a:t>02/06/2023</a:t>
             </a:fld>
             <a:endParaRPr lang="en-PH"/>
           </a:p>
@@ -3933,7 +3935,7 @@
           <a:p>
             <a:fld id="{E3F2C046-3488-4271-867B-6B64A28EF1DF}" type="datetimeFigureOut">
               <a:rPr lang="en-PH" smtClean="0"/>
-              <a:t>14/05/2023</a:t>
+              <a:t>02/06/2023</a:t>
             </a:fld>
             <a:endParaRPr lang="en-PH"/>
           </a:p>
@@ -4075,7 +4077,7 @@
           <a:p>
             <a:fld id="{E3F2C046-3488-4271-867B-6B64A28EF1DF}" type="datetimeFigureOut">
               <a:rPr lang="en-PH" smtClean="0"/>
-              <a:t>14/05/2023</a:t>
+              <a:t>02/06/2023</a:t>
             </a:fld>
             <a:endParaRPr lang="en-PH"/>
           </a:p>
@@ -4188,7 +4190,7 @@
           <a:p>
             <a:fld id="{E3F2C046-3488-4271-867B-6B64A28EF1DF}" type="datetimeFigureOut">
               <a:rPr lang="en-PH" smtClean="0"/>
-              <a:t>14/05/2023</a:t>
+              <a:t>02/06/2023</a:t>
             </a:fld>
             <a:endParaRPr lang="en-PH"/>
           </a:p>
@@ -4501,7 +4503,7 @@
           <a:p>
             <a:fld id="{E3F2C046-3488-4271-867B-6B64A28EF1DF}" type="datetimeFigureOut">
               <a:rPr lang="en-PH" smtClean="0"/>
-              <a:t>14/05/2023</a:t>
+              <a:t>02/06/2023</a:t>
             </a:fld>
             <a:endParaRPr lang="en-PH"/>
           </a:p>
@@ -4790,7 +4792,7 @@
           <a:p>
             <a:fld id="{E3F2C046-3488-4271-867B-6B64A28EF1DF}" type="datetimeFigureOut">
               <a:rPr lang="en-PH" smtClean="0"/>
-              <a:t>14/05/2023</a:t>
+              <a:t>02/06/2023</a:t>
             </a:fld>
             <a:endParaRPr lang="en-PH"/>
           </a:p>
@@ -5033,7 +5035,7 @@
           <a:p>
             <a:fld id="{E3F2C046-3488-4271-867B-6B64A28EF1DF}" type="datetimeFigureOut">
               <a:rPr lang="en-PH" smtClean="0"/>
-              <a:t>14/05/2023</a:t>
+              <a:t>02/06/2023</a:t>
             </a:fld>
             <a:endParaRPr lang="en-PH"/>
           </a:p>
@@ -6701,6 +6703,836 @@
               <a:rPr lang="en-PH" b="1" dirty="0">
                 <a:latin typeface="+mn-lt"/>
               </a:rPr>
+              <a:t>Incremental Monte-Carlo Update</a:t>
+            </a:r>
+          </a:p>
+        </p:txBody>
+      </p:sp>
+      <p:pic>
+        <p:nvPicPr>
+          <p:cNvPr id="18" name="Content Placeholder 17" descr="A picture containing text, font, screenshot, number&#10;&#10;Description automatically generated">
+            <a:extLst>
+              <a:ext uri="{FF2B5EF4-FFF2-40B4-BE49-F238E27FC236}">
+                <a16:creationId xmlns:a16="http://schemas.microsoft.com/office/drawing/2014/main" id="{0D6DB4F3-12F8-A039-062D-AEF30C9AEBC0}"/>
+              </a:ext>
+            </a:extLst>
+          </p:cNvPr>
+          <p:cNvPicPr>
+            <a:picLocks noGrp="1" noChangeAspect="1"/>
+          </p:cNvPicPr>
+          <p:nvPr>
+            <p:ph idx="1"/>
+          </p:nvPr>
+        </p:nvPicPr>
+        <p:blipFill>
+          <a:blip r:embed="rId2">
+            <a:extLst>
+              <a:ext uri="{28A0092B-C50C-407E-A947-70E740481C1C}">
+                <a14:useLocalDpi xmlns:a14="http://schemas.microsoft.com/office/drawing/2010/main" val="0"/>
+              </a:ext>
+            </a:extLst>
+          </a:blip>
+          <a:stretch>
+            <a:fillRect/>
+          </a:stretch>
+        </p:blipFill>
+        <p:spPr>
+          <a:xfrm>
+            <a:off x="2156972" y="2385918"/>
+            <a:ext cx="7849480" cy="2416518"/>
+          </a:xfrm>
+        </p:spPr>
+      </p:pic>
+    </p:spTree>
+    <p:extLst>
+      <p:ext uri="{BB962C8B-B14F-4D97-AF65-F5344CB8AC3E}">
+        <p14:creationId xmlns:p14="http://schemas.microsoft.com/office/powerpoint/2010/main" val="612731663"/>
+      </p:ext>
+    </p:extLst>
+  </p:cSld>
+  <p:clrMapOvr>
+    <a:masterClrMapping/>
+  </p:clrMapOvr>
+</p:sld>
+</file>
+
+<file path=ppt/slides/slide11.xml><?xml version="1.0" encoding="utf-8"?>
+<p:sld xmlns:a="http://schemas.openxmlformats.org/drawingml/2006/main" xmlns:r="http://schemas.openxmlformats.org/officeDocument/2006/relationships" xmlns:p="http://schemas.openxmlformats.org/presentationml/2006/main">
+  <p:cSld>
+    <p:spTree>
+      <p:nvGrpSpPr>
+        <p:cNvPr id="1" name=""/>
+        <p:cNvGrpSpPr/>
+        <p:nvPr/>
+      </p:nvGrpSpPr>
+      <p:grpSpPr>
+        <a:xfrm>
+          <a:off x="0" y="0"/>
+          <a:ext cx="0" cy="0"/>
+          <a:chOff x="0" y="0"/>
+          <a:chExt cx="0" cy="0"/>
+        </a:xfrm>
+      </p:grpSpPr>
+      <p:sp>
+        <p:nvSpPr>
+          <p:cNvPr id="6" name="TextBox 5">
+            <a:extLst>
+              <a:ext uri="{FF2B5EF4-FFF2-40B4-BE49-F238E27FC236}">
+                <a16:creationId xmlns:a16="http://schemas.microsoft.com/office/drawing/2014/main" id="{933CA7EB-D821-4578-A186-D330E9178EDE}"/>
+              </a:ext>
+            </a:extLst>
+          </p:cNvPr>
+          <p:cNvSpPr txBox="1"/>
+          <p:nvPr/>
+        </p:nvSpPr>
+        <p:spPr>
+          <a:xfrm>
+            <a:off x="87923" y="28551"/>
+            <a:ext cx="3622432" cy="338554"/>
+          </a:xfrm>
+          <a:prstGeom prst="rect">
+            <a:avLst/>
+          </a:prstGeom>
+          <a:noFill/>
+        </p:spPr>
+        <p:txBody>
+          <a:bodyPr wrap="square" rtlCol="0">
+            <a:spAutoFit/>
+          </a:bodyPr>
+          <a:lstStyle/>
+          <a:p>
+            <a:r>
+              <a:rPr lang="en-PH" sz="1600">
+                <a:solidFill>
+                  <a:schemeClr val="bg1"/>
+                </a:solidFill>
+                <a:latin typeface="Abadi" panose="020B0604020104020204" pitchFamily="34" charset="0"/>
+                <a:cs typeface="Aharoni" panose="020B0604020202020204" pitchFamily="2" charset="-79"/>
+              </a:rPr>
+              <a:t>INTRODUCTION TO COMPUTING</a:t>
+            </a:r>
+          </a:p>
+        </p:txBody>
+      </p:sp>
+      <p:sp>
+        <p:nvSpPr>
+          <p:cNvPr id="7" name="TextBox 6">
+            <a:extLst>
+              <a:ext uri="{FF2B5EF4-FFF2-40B4-BE49-F238E27FC236}">
+                <a16:creationId xmlns:a16="http://schemas.microsoft.com/office/drawing/2014/main" id="{9B128FD4-EE77-4086-837E-5EAF83B0DDD1}"/>
+              </a:ext>
+            </a:extLst>
+          </p:cNvPr>
+          <p:cNvSpPr txBox="1"/>
+          <p:nvPr/>
+        </p:nvSpPr>
+        <p:spPr>
+          <a:xfrm>
+            <a:off x="9182099" y="13190"/>
+            <a:ext cx="2948354" cy="338554"/>
+          </a:xfrm>
+          <a:prstGeom prst="rect">
+            <a:avLst/>
+          </a:prstGeom>
+          <a:noFill/>
+        </p:spPr>
+        <p:txBody>
+          <a:bodyPr wrap="square" rtlCol="0">
+            <a:spAutoFit/>
+          </a:bodyPr>
+          <a:lstStyle/>
+          <a:p>
+            <a:pPr algn="r"/>
+            <a:r>
+              <a:rPr lang="en-US" sz="1600" dirty="0">
+                <a:solidFill>
+                  <a:schemeClr val="bg1"/>
+                </a:solidFill>
+              </a:rPr>
+              <a:t>Course Code: CCINCOM/L</a:t>
+            </a:r>
+            <a:endParaRPr lang="en-PH" sz="1600" dirty="0">
+              <a:solidFill>
+                <a:schemeClr val="bg1"/>
+              </a:solidFill>
+              <a:latin typeface="Abadi" panose="020B0604020202020204" pitchFamily="34" charset="0"/>
+            </a:endParaRPr>
+          </a:p>
+        </p:txBody>
+      </p:sp>
+      <p:sp>
+        <p:nvSpPr>
+          <p:cNvPr id="8" name="TextBox 7">
+            <a:extLst>
+              <a:ext uri="{FF2B5EF4-FFF2-40B4-BE49-F238E27FC236}">
+                <a16:creationId xmlns:a16="http://schemas.microsoft.com/office/drawing/2014/main" id="{B95C7AD6-4918-4294-AA88-B72FB28833FE}"/>
+              </a:ext>
+            </a:extLst>
+          </p:cNvPr>
+          <p:cNvSpPr txBox="1"/>
+          <p:nvPr/>
+        </p:nvSpPr>
+        <p:spPr>
+          <a:xfrm>
+            <a:off x="0" y="6479929"/>
+            <a:ext cx="2461846" cy="338554"/>
+          </a:xfrm>
+          <a:prstGeom prst="rect">
+            <a:avLst/>
+          </a:prstGeom>
+          <a:noFill/>
+        </p:spPr>
+        <p:txBody>
+          <a:bodyPr wrap="square" rtlCol="0">
+            <a:spAutoFit/>
+          </a:bodyPr>
+          <a:lstStyle/>
+          <a:p>
+            <a:pPr algn="ctr"/>
+            <a:r>
+              <a:rPr lang="en-PH" sz="1600">
+                <a:solidFill>
+                  <a:schemeClr val="bg1"/>
+                </a:solidFill>
+                <a:latin typeface="Abadi" panose="020B0604020202020204" pitchFamily="34" charset="0"/>
+              </a:rPr>
+              <a:t>Joseph Marvin R. Imperial</a:t>
+            </a:r>
+          </a:p>
+        </p:txBody>
+      </p:sp>
+      <p:sp>
+        <p:nvSpPr>
+          <p:cNvPr id="9" name="TextBox 8">
+            <a:extLst>
+              <a:ext uri="{FF2B5EF4-FFF2-40B4-BE49-F238E27FC236}">
+                <a16:creationId xmlns:a16="http://schemas.microsoft.com/office/drawing/2014/main" id="{C3136E3D-4CFD-4EFC-98AB-367D0EF3C06B}"/>
+              </a:ext>
+            </a:extLst>
+          </p:cNvPr>
+          <p:cNvSpPr txBox="1"/>
+          <p:nvPr/>
+        </p:nvSpPr>
+        <p:spPr>
+          <a:xfrm>
+            <a:off x="7086601" y="6490896"/>
+            <a:ext cx="5105399" cy="338554"/>
+          </a:xfrm>
+          <a:prstGeom prst="rect">
+            <a:avLst/>
+          </a:prstGeom>
+          <a:noFill/>
+        </p:spPr>
+        <p:txBody>
+          <a:bodyPr wrap="square" rtlCol="0">
+            <a:spAutoFit/>
+          </a:bodyPr>
+          <a:lstStyle/>
+          <a:p>
+            <a:pPr algn="r"/>
+            <a:r>
+              <a:rPr lang="en-PH" sz="1600">
+                <a:solidFill>
+                  <a:schemeClr val="bg1"/>
+                </a:solidFill>
+                <a:latin typeface="Abadi" panose="020B0604020202020204" pitchFamily="34" charset="0"/>
+              </a:rPr>
+              <a:t>NU College of Computing and Information Technologies</a:t>
+            </a:r>
+          </a:p>
+        </p:txBody>
+      </p:sp>
+      <p:sp>
+        <p:nvSpPr>
+          <p:cNvPr id="13" name="Rectangle 12">
+            <a:extLst>
+              <a:ext uri="{FF2B5EF4-FFF2-40B4-BE49-F238E27FC236}">
+                <a16:creationId xmlns:a16="http://schemas.microsoft.com/office/drawing/2014/main" id="{251B30DC-ACC5-404F-B51D-13612F115E3E}"/>
+              </a:ext>
+            </a:extLst>
+          </p:cNvPr>
+          <p:cNvSpPr/>
+          <p:nvPr/>
+        </p:nvSpPr>
+        <p:spPr>
+          <a:xfrm>
+            <a:off x="0" y="6462346"/>
+            <a:ext cx="12192000" cy="395654"/>
+          </a:xfrm>
+          <a:prstGeom prst="rect">
+            <a:avLst/>
+          </a:prstGeom>
+          <a:solidFill>
+            <a:schemeClr val="accent5">
+              <a:lumMod val="50000"/>
+            </a:schemeClr>
+          </a:solidFill>
+          <a:effectLst>
+            <a:outerShdw blurRad="50800" dist="38100" dir="2700000" algn="tl" rotWithShape="0">
+              <a:prstClr val="black">
+                <a:alpha val="40000"/>
+              </a:prstClr>
+            </a:outerShdw>
+          </a:effectLst>
+        </p:spPr>
+        <p:style>
+          <a:lnRef idx="2">
+            <a:schemeClr val="accent1">
+              <a:shade val="50000"/>
+            </a:schemeClr>
+          </a:lnRef>
+          <a:fillRef idx="1">
+            <a:schemeClr val="accent1"/>
+          </a:fillRef>
+          <a:effectRef idx="0">
+            <a:schemeClr val="accent1"/>
+          </a:effectRef>
+          <a:fontRef idx="minor">
+            <a:schemeClr val="lt1"/>
+          </a:fontRef>
+        </p:style>
+        <p:txBody>
+          <a:bodyPr rtlCol="0" anchor="ctr"/>
+          <a:lstStyle/>
+          <a:p>
+            <a:pPr algn="ctr"/>
+            <a:endParaRPr lang="en-PH"/>
+          </a:p>
+        </p:txBody>
+      </p:sp>
+      <p:sp>
+        <p:nvSpPr>
+          <p:cNvPr id="14" name="TextBox 13">
+            <a:extLst>
+              <a:ext uri="{FF2B5EF4-FFF2-40B4-BE49-F238E27FC236}">
+                <a16:creationId xmlns:a16="http://schemas.microsoft.com/office/drawing/2014/main" id="{ACC57CA2-30CA-4DDD-A941-8B9CC393DAFA}"/>
+              </a:ext>
+            </a:extLst>
+          </p:cNvPr>
+          <p:cNvSpPr txBox="1"/>
+          <p:nvPr/>
+        </p:nvSpPr>
+        <p:spPr>
+          <a:xfrm>
+            <a:off x="0" y="6490896"/>
+            <a:ext cx="3622432" cy="338554"/>
+          </a:xfrm>
+          <a:prstGeom prst="rect">
+            <a:avLst/>
+          </a:prstGeom>
+          <a:noFill/>
+        </p:spPr>
+        <p:txBody>
+          <a:bodyPr wrap="square" rtlCol="0">
+            <a:spAutoFit/>
+          </a:bodyPr>
+          <a:lstStyle/>
+          <a:p>
+            <a:r>
+              <a:rPr lang="en-PH" sz="1600">
+                <a:solidFill>
+                  <a:schemeClr val="bg1"/>
+                </a:solidFill>
+                <a:latin typeface="Abadi" panose="020B0604020104020204" pitchFamily="34" charset="0"/>
+                <a:cs typeface="Aharoni" panose="020B0604020202020204" pitchFamily="2" charset="-79"/>
+              </a:rPr>
+              <a:t>REINFORCEMENT LEARNING</a:t>
+            </a:r>
+          </a:p>
+        </p:txBody>
+      </p:sp>
+      <p:sp>
+        <p:nvSpPr>
+          <p:cNvPr id="15" name="TextBox 14">
+            <a:extLst>
+              <a:ext uri="{FF2B5EF4-FFF2-40B4-BE49-F238E27FC236}">
+                <a16:creationId xmlns:a16="http://schemas.microsoft.com/office/drawing/2014/main" id="{31237222-F604-49F1-8989-AF06AF20EDD3}"/>
+              </a:ext>
+            </a:extLst>
+          </p:cNvPr>
+          <p:cNvSpPr txBox="1"/>
+          <p:nvPr/>
+        </p:nvSpPr>
+        <p:spPr>
+          <a:xfrm>
+            <a:off x="9243646" y="6490896"/>
+            <a:ext cx="2948354" cy="338554"/>
+          </a:xfrm>
+          <a:prstGeom prst="rect">
+            <a:avLst/>
+          </a:prstGeom>
+          <a:noFill/>
+        </p:spPr>
+        <p:txBody>
+          <a:bodyPr wrap="square" rtlCol="0">
+            <a:spAutoFit/>
+          </a:bodyPr>
+          <a:lstStyle/>
+          <a:p>
+            <a:pPr algn="r"/>
+            <a:r>
+              <a:rPr lang="en-US" sz="1600">
+                <a:solidFill>
+                  <a:schemeClr val="bg1"/>
+                </a:solidFill>
+                <a:latin typeface="Abadi" panose="020B0604020104020204" pitchFamily="34" charset="0"/>
+              </a:rPr>
+              <a:t>Course Code: CCRNFLRL</a:t>
+            </a:r>
+            <a:endParaRPr lang="en-PH" sz="1600">
+              <a:solidFill>
+                <a:schemeClr val="bg1"/>
+              </a:solidFill>
+              <a:latin typeface="Abadi" panose="020B0604020104020204" pitchFamily="34" charset="0"/>
+            </a:endParaRPr>
+          </a:p>
+        </p:txBody>
+      </p:sp>
+      <p:sp>
+        <p:nvSpPr>
+          <p:cNvPr id="5" name="Title 4">
+            <a:extLst>
+              <a:ext uri="{FF2B5EF4-FFF2-40B4-BE49-F238E27FC236}">
+                <a16:creationId xmlns:a16="http://schemas.microsoft.com/office/drawing/2014/main" id="{EC47D021-EEC4-42AC-B4C3-BC584CB5BC9D}"/>
+              </a:ext>
+            </a:extLst>
+          </p:cNvPr>
+          <p:cNvSpPr>
+            <a:spLocks noGrp="1"/>
+          </p:cNvSpPr>
+          <p:nvPr>
+            <p:ph type="title"/>
+          </p:nvPr>
+        </p:nvSpPr>
+        <p:spPr>
+          <a:xfrm>
+            <a:off x="352425" y="292273"/>
+            <a:ext cx="11458574" cy="869778"/>
+          </a:xfrm>
+        </p:spPr>
+        <p:txBody>
+          <a:bodyPr/>
+          <a:lstStyle/>
+          <a:p>
+            <a:r>
+              <a:rPr lang="en-PH" b="1" dirty="0">
+                <a:latin typeface="+mn-lt"/>
+              </a:rPr>
+              <a:t>Incremental Monte-Carlo Update</a:t>
+            </a:r>
+          </a:p>
+        </p:txBody>
+      </p:sp>
+      <p:pic>
+        <p:nvPicPr>
+          <p:cNvPr id="11" name="Content Placeholder 10" descr="A picture containing text, screenshot&#10;&#10;Description automatically generated">
+            <a:extLst>
+              <a:ext uri="{FF2B5EF4-FFF2-40B4-BE49-F238E27FC236}">
+                <a16:creationId xmlns:a16="http://schemas.microsoft.com/office/drawing/2014/main" id="{D709032B-A477-C210-D1CB-2E1BF3B36A6D}"/>
+              </a:ext>
+            </a:extLst>
+          </p:cNvPr>
+          <p:cNvPicPr>
+            <a:picLocks noGrp="1" noChangeAspect="1"/>
+          </p:cNvPicPr>
+          <p:nvPr>
+            <p:ph idx="1"/>
+          </p:nvPr>
+        </p:nvPicPr>
+        <p:blipFill>
+          <a:blip r:embed="rId2">
+            <a:extLst>
+              <a:ext uri="{28A0092B-C50C-407E-A947-70E740481C1C}">
+                <a14:useLocalDpi xmlns:a14="http://schemas.microsoft.com/office/drawing/2010/main" val="0"/>
+              </a:ext>
+            </a:extLst>
+          </a:blip>
+          <a:stretch>
+            <a:fillRect/>
+          </a:stretch>
+        </p:blipFill>
+        <p:spPr>
+          <a:xfrm>
+            <a:off x="2213856" y="1522844"/>
+            <a:ext cx="7735712" cy="4351338"/>
+          </a:xfrm>
+        </p:spPr>
+      </p:pic>
+    </p:spTree>
+    <p:extLst>
+      <p:ext uri="{BB962C8B-B14F-4D97-AF65-F5344CB8AC3E}">
+        <p14:creationId xmlns:p14="http://schemas.microsoft.com/office/powerpoint/2010/main" val="2388016849"/>
+      </p:ext>
+    </p:extLst>
+  </p:cSld>
+  <p:clrMapOvr>
+    <a:masterClrMapping/>
+  </p:clrMapOvr>
+</p:sld>
+</file>
+
+<file path=ppt/slides/slide12.xml><?xml version="1.0" encoding="utf-8"?>
+<p:sld xmlns:a="http://schemas.openxmlformats.org/drawingml/2006/main" xmlns:r="http://schemas.openxmlformats.org/officeDocument/2006/relationships" xmlns:p="http://schemas.openxmlformats.org/presentationml/2006/main">
+  <p:cSld>
+    <p:spTree>
+      <p:nvGrpSpPr>
+        <p:cNvPr id="1" name=""/>
+        <p:cNvGrpSpPr/>
+        <p:nvPr/>
+      </p:nvGrpSpPr>
+      <p:grpSpPr>
+        <a:xfrm>
+          <a:off x="0" y="0"/>
+          <a:ext cx="0" cy="0"/>
+          <a:chOff x="0" y="0"/>
+          <a:chExt cx="0" cy="0"/>
+        </a:xfrm>
+      </p:grpSpPr>
+      <p:sp>
+        <p:nvSpPr>
+          <p:cNvPr id="6" name="TextBox 5">
+            <a:extLst>
+              <a:ext uri="{FF2B5EF4-FFF2-40B4-BE49-F238E27FC236}">
+                <a16:creationId xmlns:a16="http://schemas.microsoft.com/office/drawing/2014/main" id="{933CA7EB-D821-4578-A186-D330E9178EDE}"/>
+              </a:ext>
+            </a:extLst>
+          </p:cNvPr>
+          <p:cNvSpPr txBox="1"/>
+          <p:nvPr/>
+        </p:nvSpPr>
+        <p:spPr>
+          <a:xfrm>
+            <a:off x="87923" y="28551"/>
+            <a:ext cx="3622432" cy="338554"/>
+          </a:xfrm>
+          <a:prstGeom prst="rect">
+            <a:avLst/>
+          </a:prstGeom>
+          <a:noFill/>
+        </p:spPr>
+        <p:txBody>
+          <a:bodyPr wrap="square" rtlCol="0">
+            <a:spAutoFit/>
+          </a:bodyPr>
+          <a:lstStyle/>
+          <a:p>
+            <a:r>
+              <a:rPr lang="en-PH" sz="1600">
+                <a:solidFill>
+                  <a:schemeClr val="bg1"/>
+                </a:solidFill>
+                <a:latin typeface="Abadi" panose="020B0604020104020204" pitchFamily="34" charset="0"/>
+                <a:cs typeface="Aharoni" panose="020B0604020202020204" pitchFamily="2" charset="-79"/>
+              </a:rPr>
+              <a:t>INTRODUCTION TO COMPUTING</a:t>
+            </a:r>
+          </a:p>
+        </p:txBody>
+      </p:sp>
+      <p:sp>
+        <p:nvSpPr>
+          <p:cNvPr id="7" name="TextBox 6">
+            <a:extLst>
+              <a:ext uri="{FF2B5EF4-FFF2-40B4-BE49-F238E27FC236}">
+                <a16:creationId xmlns:a16="http://schemas.microsoft.com/office/drawing/2014/main" id="{9B128FD4-EE77-4086-837E-5EAF83B0DDD1}"/>
+              </a:ext>
+            </a:extLst>
+          </p:cNvPr>
+          <p:cNvSpPr txBox="1"/>
+          <p:nvPr/>
+        </p:nvSpPr>
+        <p:spPr>
+          <a:xfrm>
+            <a:off x="9182099" y="13190"/>
+            <a:ext cx="2948354" cy="338554"/>
+          </a:xfrm>
+          <a:prstGeom prst="rect">
+            <a:avLst/>
+          </a:prstGeom>
+          <a:noFill/>
+        </p:spPr>
+        <p:txBody>
+          <a:bodyPr wrap="square" rtlCol="0">
+            <a:spAutoFit/>
+          </a:bodyPr>
+          <a:lstStyle/>
+          <a:p>
+            <a:pPr algn="r"/>
+            <a:r>
+              <a:rPr lang="en-US" sz="1600" dirty="0">
+                <a:solidFill>
+                  <a:schemeClr val="bg1"/>
+                </a:solidFill>
+              </a:rPr>
+              <a:t>Course Code: CCINCOM/L</a:t>
+            </a:r>
+            <a:endParaRPr lang="en-PH" sz="1600" dirty="0">
+              <a:solidFill>
+                <a:schemeClr val="bg1"/>
+              </a:solidFill>
+              <a:latin typeface="Abadi" panose="020B0604020202020204" pitchFamily="34" charset="0"/>
+            </a:endParaRPr>
+          </a:p>
+        </p:txBody>
+      </p:sp>
+      <p:sp>
+        <p:nvSpPr>
+          <p:cNvPr id="8" name="TextBox 7">
+            <a:extLst>
+              <a:ext uri="{FF2B5EF4-FFF2-40B4-BE49-F238E27FC236}">
+                <a16:creationId xmlns:a16="http://schemas.microsoft.com/office/drawing/2014/main" id="{B95C7AD6-4918-4294-AA88-B72FB28833FE}"/>
+              </a:ext>
+            </a:extLst>
+          </p:cNvPr>
+          <p:cNvSpPr txBox="1"/>
+          <p:nvPr/>
+        </p:nvSpPr>
+        <p:spPr>
+          <a:xfrm>
+            <a:off x="0" y="6479929"/>
+            <a:ext cx="2461846" cy="338554"/>
+          </a:xfrm>
+          <a:prstGeom prst="rect">
+            <a:avLst/>
+          </a:prstGeom>
+          <a:noFill/>
+        </p:spPr>
+        <p:txBody>
+          <a:bodyPr wrap="square" rtlCol="0">
+            <a:spAutoFit/>
+          </a:bodyPr>
+          <a:lstStyle/>
+          <a:p>
+            <a:pPr algn="ctr"/>
+            <a:r>
+              <a:rPr lang="en-PH" sz="1600">
+                <a:solidFill>
+                  <a:schemeClr val="bg1"/>
+                </a:solidFill>
+                <a:latin typeface="Abadi" panose="020B0604020202020204" pitchFamily="34" charset="0"/>
+              </a:rPr>
+              <a:t>Joseph Marvin R. Imperial</a:t>
+            </a:r>
+          </a:p>
+        </p:txBody>
+      </p:sp>
+      <p:sp>
+        <p:nvSpPr>
+          <p:cNvPr id="9" name="TextBox 8">
+            <a:extLst>
+              <a:ext uri="{FF2B5EF4-FFF2-40B4-BE49-F238E27FC236}">
+                <a16:creationId xmlns:a16="http://schemas.microsoft.com/office/drawing/2014/main" id="{C3136E3D-4CFD-4EFC-98AB-367D0EF3C06B}"/>
+              </a:ext>
+            </a:extLst>
+          </p:cNvPr>
+          <p:cNvSpPr txBox="1"/>
+          <p:nvPr/>
+        </p:nvSpPr>
+        <p:spPr>
+          <a:xfrm>
+            <a:off x="7086601" y="6490896"/>
+            <a:ext cx="5105399" cy="338554"/>
+          </a:xfrm>
+          <a:prstGeom prst="rect">
+            <a:avLst/>
+          </a:prstGeom>
+          <a:noFill/>
+        </p:spPr>
+        <p:txBody>
+          <a:bodyPr wrap="square" rtlCol="0">
+            <a:spAutoFit/>
+          </a:bodyPr>
+          <a:lstStyle/>
+          <a:p>
+            <a:pPr algn="r"/>
+            <a:r>
+              <a:rPr lang="en-PH" sz="1600">
+                <a:solidFill>
+                  <a:schemeClr val="bg1"/>
+                </a:solidFill>
+                <a:latin typeface="Abadi" panose="020B0604020202020204" pitchFamily="34" charset="0"/>
+              </a:rPr>
+              <a:t>NU College of Computing and Information Technologies</a:t>
+            </a:r>
+          </a:p>
+        </p:txBody>
+      </p:sp>
+      <p:sp>
+        <p:nvSpPr>
+          <p:cNvPr id="13" name="Rectangle 12">
+            <a:extLst>
+              <a:ext uri="{FF2B5EF4-FFF2-40B4-BE49-F238E27FC236}">
+                <a16:creationId xmlns:a16="http://schemas.microsoft.com/office/drawing/2014/main" id="{251B30DC-ACC5-404F-B51D-13612F115E3E}"/>
+              </a:ext>
+            </a:extLst>
+          </p:cNvPr>
+          <p:cNvSpPr/>
+          <p:nvPr/>
+        </p:nvSpPr>
+        <p:spPr>
+          <a:xfrm>
+            <a:off x="0" y="6462346"/>
+            <a:ext cx="12192000" cy="395654"/>
+          </a:xfrm>
+          <a:prstGeom prst="rect">
+            <a:avLst/>
+          </a:prstGeom>
+          <a:solidFill>
+            <a:schemeClr val="accent5">
+              <a:lumMod val="50000"/>
+            </a:schemeClr>
+          </a:solidFill>
+          <a:effectLst>
+            <a:outerShdw blurRad="50800" dist="38100" dir="2700000" algn="tl" rotWithShape="0">
+              <a:prstClr val="black">
+                <a:alpha val="40000"/>
+              </a:prstClr>
+            </a:outerShdw>
+          </a:effectLst>
+        </p:spPr>
+        <p:style>
+          <a:lnRef idx="2">
+            <a:schemeClr val="accent1">
+              <a:shade val="50000"/>
+            </a:schemeClr>
+          </a:lnRef>
+          <a:fillRef idx="1">
+            <a:schemeClr val="accent1"/>
+          </a:fillRef>
+          <a:effectRef idx="0">
+            <a:schemeClr val="accent1"/>
+          </a:effectRef>
+          <a:fontRef idx="minor">
+            <a:schemeClr val="lt1"/>
+          </a:fontRef>
+        </p:style>
+        <p:txBody>
+          <a:bodyPr rtlCol="0" anchor="ctr"/>
+          <a:lstStyle/>
+          <a:p>
+            <a:pPr algn="ctr"/>
+            <a:endParaRPr lang="en-PH"/>
+          </a:p>
+        </p:txBody>
+      </p:sp>
+      <p:sp>
+        <p:nvSpPr>
+          <p:cNvPr id="14" name="TextBox 13">
+            <a:extLst>
+              <a:ext uri="{FF2B5EF4-FFF2-40B4-BE49-F238E27FC236}">
+                <a16:creationId xmlns:a16="http://schemas.microsoft.com/office/drawing/2014/main" id="{ACC57CA2-30CA-4DDD-A941-8B9CC393DAFA}"/>
+              </a:ext>
+            </a:extLst>
+          </p:cNvPr>
+          <p:cNvSpPr txBox="1"/>
+          <p:nvPr/>
+        </p:nvSpPr>
+        <p:spPr>
+          <a:xfrm>
+            <a:off x="0" y="6490896"/>
+            <a:ext cx="3622432" cy="338554"/>
+          </a:xfrm>
+          <a:prstGeom prst="rect">
+            <a:avLst/>
+          </a:prstGeom>
+          <a:noFill/>
+        </p:spPr>
+        <p:txBody>
+          <a:bodyPr wrap="square" rtlCol="0">
+            <a:spAutoFit/>
+          </a:bodyPr>
+          <a:lstStyle/>
+          <a:p>
+            <a:r>
+              <a:rPr lang="en-PH" sz="1600">
+                <a:solidFill>
+                  <a:schemeClr val="bg1"/>
+                </a:solidFill>
+                <a:latin typeface="Abadi" panose="020B0604020104020204" pitchFamily="34" charset="0"/>
+                <a:cs typeface="Aharoni" panose="020B0604020202020204" pitchFamily="2" charset="-79"/>
+              </a:rPr>
+              <a:t>REINFORCEMENT LEARNING</a:t>
+            </a:r>
+          </a:p>
+        </p:txBody>
+      </p:sp>
+      <p:sp>
+        <p:nvSpPr>
+          <p:cNvPr id="15" name="TextBox 14">
+            <a:extLst>
+              <a:ext uri="{FF2B5EF4-FFF2-40B4-BE49-F238E27FC236}">
+                <a16:creationId xmlns:a16="http://schemas.microsoft.com/office/drawing/2014/main" id="{31237222-F604-49F1-8989-AF06AF20EDD3}"/>
+              </a:ext>
+            </a:extLst>
+          </p:cNvPr>
+          <p:cNvSpPr txBox="1"/>
+          <p:nvPr/>
+        </p:nvSpPr>
+        <p:spPr>
+          <a:xfrm>
+            <a:off x="9243646" y="6490896"/>
+            <a:ext cx="2948354" cy="338554"/>
+          </a:xfrm>
+          <a:prstGeom prst="rect">
+            <a:avLst/>
+          </a:prstGeom>
+          <a:noFill/>
+        </p:spPr>
+        <p:txBody>
+          <a:bodyPr wrap="square" rtlCol="0">
+            <a:spAutoFit/>
+          </a:bodyPr>
+          <a:lstStyle/>
+          <a:p>
+            <a:pPr algn="r"/>
+            <a:r>
+              <a:rPr lang="en-US" sz="1600">
+                <a:solidFill>
+                  <a:schemeClr val="bg1"/>
+                </a:solidFill>
+                <a:latin typeface="Abadi" panose="020B0604020104020204" pitchFamily="34" charset="0"/>
+              </a:rPr>
+              <a:t>Course Code: CCRNFLRL</a:t>
+            </a:r>
+            <a:endParaRPr lang="en-PH" sz="1600">
+              <a:solidFill>
+                <a:schemeClr val="bg1"/>
+              </a:solidFill>
+              <a:latin typeface="Abadi" panose="020B0604020104020204" pitchFamily="34" charset="0"/>
+            </a:endParaRPr>
+          </a:p>
+        </p:txBody>
+      </p:sp>
+      <p:sp>
+        <p:nvSpPr>
+          <p:cNvPr id="5" name="Title 4">
+            <a:extLst>
+              <a:ext uri="{FF2B5EF4-FFF2-40B4-BE49-F238E27FC236}">
+                <a16:creationId xmlns:a16="http://schemas.microsoft.com/office/drawing/2014/main" id="{EC47D021-EEC4-42AC-B4C3-BC584CB5BC9D}"/>
+              </a:ext>
+            </a:extLst>
+          </p:cNvPr>
+          <p:cNvSpPr>
+            <a:spLocks noGrp="1"/>
+          </p:cNvSpPr>
+          <p:nvPr>
+            <p:ph type="title"/>
+          </p:nvPr>
+        </p:nvSpPr>
+        <p:spPr>
+          <a:xfrm>
+            <a:off x="352425" y="292273"/>
+            <a:ext cx="11458574" cy="869778"/>
+          </a:xfrm>
+        </p:spPr>
+        <p:txBody>
+          <a:bodyPr/>
+          <a:lstStyle/>
+          <a:p>
+            <a:r>
+              <a:rPr lang="en-PH" b="1" dirty="0">
+                <a:latin typeface="+mn-lt"/>
+              </a:rPr>
               <a:t>Summary</a:t>
             </a:r>
           </a:p>
@@ -6861,7 +7693,7 @@
 </p:sld>
 </file>
 
-<file path=ppt/slides/slide11.xml><?xml version="1.0" encoding="utf-8"?>
+<file path=ppt/slides/slide13.xml><?xml version="1.0" encoding="utf-8"?>
 <p:sld xmlns:a="http://schemas.openxmlformats.org/drawingml/2006/main" xmlns:r="http://schemas.openxmlformats.org/officeDocument/2006/relationships" xmlns:p="http://schemas.openxmlformats.org/presentationml/2006/main">
   <p:cSld>
     <p:spTree>
@@ -13241,9 +14073,12 @@
 </file>
 
 <file path=customXml/item1.xml><?xml version="1.0" encoding="utf-8"?>
-<Control xmlns="http://schemas.microsoft.com/VisualStudio/2011/storyboarding/control">
-  <Id Name="8ace2fdb-12ac-4077-a484-31b1b60ebf69" Revision="1" Stencil="System.MyShapes" StencilVersion="1.0"/>
-</Control>
+<?mso-contentType ?>
+<FormTemplates xmlns="http://schemas.microsoft.com/sharepoint/v3/contenttype/forms">
+  <Display>DocumentLibraryForm</Display>
+  <Edit>DocumentLibraryForm</Edit>
+  <New>DocumentLibraryForm</New>
+</FormTemplates>
 </file>
 
 <file path=customXml/item10.xml><?xml version="1.0" encoding="utf-8"?>
@@ -13265,6 +14100,35 @@
 </file>
 
 <file path=customXml/item3.xml><?xml version="1.0" encoding="utf-8"?>
+<Control xmlns="http://schemas.microsoft.com/VisualStudio/2011/storyboarding/control">
+  <Id Name="8ace2fdb-12ac-4077-a484-31b1b60ebf69" Revision="1" Stencil="System.MyShapes" StencilVersion="1.0"/>
+</Control>
+</file>
+
+<file path=customXml/item4.xml><?xml version="1.0" encoding="utf-8"?>
+<Control xmlns="http://schemas.microsoft.com/VisualStudio/2011/storyboarding/control">
+  <Id Name="8ace2fdb-12ac-4077-a484-31b1b60ebf69" Revision="1" Stencil="System.MyShapes" StencilVersion="1.0"/>
+</Control>
+</file>
+
+<file path=customXml/item5.xml><?xml version="1.0" encoding="utf-8"?>
+<Control xmlns="http://schemas.microsoft.com/VisualStudio/2011/storyboarding/control">
+  <Id Name="8ace2fdb-12ac-4077-a484-31b1b60ebf69" Revision="1" Stencil="System.MyShapes" StencilVersion="1.0"/>
+</Control>
+</file>
+
+<file path=customXml/item6.xml><?xml version="1.0" encoding="utf-8"?>
+<p:properties xmlns:p="http://schemas.microsoft.com/office/2006/metadata/properties" xmlns:xsi="http://www.w3.org/2001/XMLSchema-instance" xmlns:pc="http://schemas.microsoft.com/office/infopath/2007/PartnerControls">
+  <documentManagement>
+    <TaxCatchAll xmlns="8635a931-6b84-420a-938b-bf6e93596a85" xsi:nil="true"/>
+    <lcf76f155ced4ddcb4097134ff3c332f xmlns="83665817-2bf1-470e-9d34-a1cdf51135fc">
+      <Terms xmlns="http://schemas.microsoft.com/office/infopath/2007/PartnerControls"/>
+    </lcf76f155ced4ddcb4097134ff3c332f>
+  </documentManagement>
+</p:properties>
+</file>
+
+<file path=customXml/item7.xml><?xml version="1.0" encoding="utf-8"?>
 <ct:contentTypeSchema xmlns:ct="http://schemas.microsoft.com/office/2006/metadata/contentType" xmlns:ma="http://schemas.microsoft.com/office/2006/metadata/properties/metaAttributes" ct:_="" ma:_="" ma:contentTypeName="Document" ma:contentTypeID="0x010100A8972596D83CB9448D5CC5920EF207E5" ma:contentTypeVersion="15" ma:contentTypeDescription="Create a new document." ma:contentTypeScope="" ma:versionID="e0bf2008eb45d6d5fc139be6c8039e46">
   <xsd:schema xmlns:xsd="http://www.w3.org/2001/XMLSchema" xmlns:xs="http://www.w3.org/2001/XMLSchema" xmlns:p="http://schemas.microsoft.com/office/2006/metadata/properties" xmlns:ns2="83665817-2bf1-470e-9d34-a1cdf51135fc" xmlns:ns3="8635a931-6b84-420a-938b-bf6e93596a85" targetNamespace="http://schemas.microsoft.com/office/2006/metadata/properties" ma:root="true" ma:fieldsID="b3f89756f7e2a2b7ac115775bf8004ea" ns2:_="" ns3:_="">
     <xsd:import namespace="83665817-2bf1-470e-9d34-a1cdf51135fc"/>
@@ -13501,38 +14365,6 @@
 </ct:contentTypeSchema>
 </file>
 
-<file path=customXml/item4.xml><?xml version="1.0" encoding="utf-8"?>
-<?mso-contentType ?>
-<FormTemplates xmlns="http://schemas.microsoft.com/sharepoint/v3/contenttype/forms">
-  <Display>DocumentLibraryForm</Display>
-  <Edit>DocumentLibraryForm</Edit>
-  <New>DocumentLibraryForm</New>
-</FormTemplates>
-</file>
-
-<file path=customXml/item5.xml><?xml version="1.0" encoding="utf-8"?>
-<p:properties xmlns:p="http://schemas.microsoft.com/office/2006/metadata/properties" xmlns:xsi="http://www.w3.org/2001/XMLSchema-instance" xmlns:pc="http://schemas.microsoft.com/office/infopath/2007/PartnerControls">
-  <documentManagement>
-    <TaxCatchAll xmlns="8635a931-6b84-420a-938b-bf6e93596a85" xsi:nil="true"/>
-    <lcf76f155ced4ddcb4097134ff3c332f xmlns="83665817-2bf1-470e-9d34-a1cdf51135fc">
-      <Terms xmlns="http://schemas.microsoft.com/office/infopath/2007/PartnerControls"/>
-    </lcf76f155ced4ddcb4097134ff3c332f>
-  </documentManagement>
-</p:properties>
-</file>
-
-<file path=customXml/item6.xml><?xml version="1.0" encoding="utf-8"?>
-<Control xmlns="http://schemas.microsoft.com/VisualStudio/2011/storyboarding/control">
-  <Id Name="8ace2fdb-12ac-4077-a484-31b1b60ebf69" Revision="1" Stencil="System.MyShapes" StencilVersion="1.0"/>
-</Control>
-</file>
-
-<file path=customXml/item7.xml><?xml version="1.0" encoding="utf-8"?>
-<Control xmlns="http://schemas.microsoft.com/VisualStudio/2011/storyboarding/control">
-  <Id Name="8ace2fdb-12ac-4077-a484-31b1b60ebf69" Revision="1" Stencil="System.MyShapes" StencilVersion="1.0"/>
-</Control>
-</file>
-
 <file path=customXml/item8.xml><?xml version="1.0" encoding="utf-8"?>
 <Control xmlns="http://schemas.microsoft.com/VisualStudio/2011/storyboarding/control">
   <Id Name="8ace2fdb-12ac-4077-a484-31b1b60ebf69" Revision="1" Stencil="System.MyShapes" StencilVersion="1.0"/>
@@ -13546,6 +14378,30 @@
 </file>
 
 <file path=customXml/itemProps1.xml><?xml version="1.0" encoding="utf-8"?>
+<ds:datastoreItem xmlns:ds="http://schemas.openxmlformats.org/officeDocument/2006/customXml" ds:itemID="{FC7646B4-7C9B-4251-A640-0B63927B62FA}">
+  <ds:schemaRefs>
+    <ds:schemaRef ds:uri="http://schemas.microsoft.com/sharepoint/v3/contenttype/forms"/>
+  </ds:schemaRefs>
+</ds:datastoreItem>
+</file>
+
+<file path=customXml/itemProps10.xml><?xml version="1.0" encoding="utf-8"?>
+<ds:datastoreItem xmlns:ds="http://schemas.openxmlformats.org/officeDocument/2006/customXml" ds:itemID="{C4D067AF-DC92-4F11-82F5-13007749D8F7}">
+  <ds:schemaRefs>
+    <ds:schemaRef ds:uri="http://schemas.microsoft.com/VisualStudio/2011/storyboarding/control"/>
+  </ds:schemaRefs>
+</ds:datastoreItem>
+</file>
+
+<file path=customXml/itemProps11.xml><?xml version="1.0" encoding="utf-8"?>
+<ds:datastoreItem xmlns:ds="http://schemas.openxmlformats.org/officeDocument/2006/customXml" ds:itemID="{DB215FA1-4FD3-42FD-A00D-2232EB3452BE}">
+  <ds:schemaRefs>
+    <ds:schemaRef ds:uri="http://schemas.microsoft.com/VisualStudio/2011/storyboarding/control"/>
+  </ds:schemaRefs>
+</ds:datastoreItem>
+</file>
+
+<file path=customXml/itemProps2.xml><?xml version="1.0" encoding="utf-8"?>
 <ds:datastoreItem xmlns:ds="http://schemas.openxmlformats.org/officeDocument/2006/customXml" ds:itemID="{AD4724DF-B3D7-4FCF-AA8F-856D3FC7F828}">
   <ds:schemaRefs>
     <ds:schemaRef ds:uri="http://schemas.microsoft.com/VisualStudio/2011/storyboarding/control"/>
@@ -13553,7 +14409,15 @@
 </ds:datastoreItem>
 </file>
 
-<file path=customXml/itemProps10.xml><?xml version="1.0" encoding="utf-8"?>
+<file path=customXml/itemProps3.xml><?xml version="1.0" encoding="utf-8"?>
+<ds:datastoreItem xmlns:ds="http://schemas.openxmlformats.org/officeDocument/2006/customXml" ds:itemID="{CAEBBB30-5DD1-4E52-82DE-A02E4733D29A}">
+  <ds:schemaRefs>
+    <ds:schemaRef ds:uri="http://schemas.microsoft.com/VisualStudio/2011/storyboarding/control"/>
+  </ds:schemaRefs>
+</ds:datastoreItem>
+</file>
+
+<file path=customXml/itemProps4.xml><?xml version="1.0" encoding="utf-8"?>
 <ds:datastoreItem xmlns:ds="http://schemas.openxmlformats.org/officeDocument/2006/customXml" ds:itemID="{1E432C16-7313-413A-AE06-D8B8B05337A0}">
   <ds:schemaRefs>
     <ds:schemaRef ds:uri="http://schemas.microsoft.com/VisualStudio/2011/storyboarding/control"/>
@@ -13561,23 +14425,26 @@
 </ds:datastoreItem>
 </file>
 
-<file path=customXml/itemProps11.xml><?xml version="1.0" encoding="utf-8"?>
-<ds:datastoreItem xmlns:ds="http://schemas.openxmlformats.org/officeDocument/2006/customXml" ds:itemID="{11BDA43E-947F-4629-A7CA-0F1298F3BE36}">
+<file path=customXml/itemProps5.xml><?xml version="1.0" encoding="utf-8"?>
+<ds:datastoreItem xmlns:ds="http://schemas.openxmlformats.org/officeDocument/2006/customXml" ds:itemID="{C0AE690A-6DA2-4539-97E4-9CACEDAE07A0}">
   <ds:schemaRefs>
     <ds:schemaRef ds:uri="http://schemas.microsoft.com/VisualStudio/2011/storyboarding/control"/>
   </ds:schemaRefs>
 </ds:datastoreItem>
 </file>
 
-<file path=customXml/itemProps2.xml><?xml version="1.0" encoding="utf-8"?>
-<ds:datastoreItem xmlns:ds="http://schemas.openxmlformats.org/officeDocument/2006/customXml" ds:itemID="{CAEBBB30-5DD1-4E52-82DE-A02E4733D29A}">
+<file path=customXml/itemProps6.xml><?xml version="1.0" encoding="utf-8"?>
+<ds:datastoreItem xmlns:ds="http://schemas.openxmlformats.org/officeDocument/2006/customXml" ds:itemID="{BB1954D0-319C-4B26-BBF2-ED9DA6E3F0C0}">
   <ds:schemaRefs>
-    <ds:schemaRef ds:uri="http://schemas.microsoft.com/VisualStudio/2011/storyboarding/control"/>
+    <ds:schemaRef ds:uri="http://schemas.microsoft.com/office/2006/metadata/properties"/>
+    <ds:schemaRef ds:uri="http://schemas.microsoft.com/office/infopath/2007/PartnerControls"/>
+    <ds:schemaRef ds:uri="8635a931-6b84-420a-938b-bf6e93596a85"/>
+    <ds:schemaRef ds:uri="83665817-2bf1-470e-9d34-a1cdf51135fc"/>
   </ds:schemaRefs>
 </ds:datastoreItem>
 </file>
 
-<file path=customXml/itemProps3.xml><?xml version="1.0" encoding="utf-8"?>
+<file path=customXml/itemProps7.xml><?xml version="1.0" encoding="utf-8"?>
 <ds:datastoreItem xmlns:ds="http://schemas.openxmlformats.org/officeDocument/2006/customXml" ds:itemID="{C1EFB7A1-0E34-4D48-8311-D56B3B9B0AAA}">
   <ds:schemaRefs>
     <ds:schemaRef ds:uri="http://schemas.microsoft.com/office/2006/metadata/contentType"/>
@@ -13596,43 +14463,8 @@
 </ds:datastoreItem>
 </file>
 
-<file path=customXml/itemProps4.xml><?xml version="1.0" encoding="utf-8"?>
-<ds:datastoreItem xmlns:ds="http://schemas.openxmlformats.org/officeDocument/2006/customXml" ds:itemID="{FC7646B4-7C9B-4251-A640-0B63927B62FA}">
-  <ds:schemaRefs>
-    <ds:schemaRef ds:uri="http://schemas.microsoft.com/sharepoint/v3/contenttype/forms"/>
-  </ds:schemaRefs>
-</ds:datastoreItem>
-</file>
-
-<file path=customXml/itemProps5.xml><?xml version="1.0" encoding="utf-8"?>
-<ds:datastoreItem xmlns:ds="http://schemas.openxmlformats.org/officeDocument/2006/customXml" ds:itemID="{BB1954D0-319C-4B26-BBF2-ED9DA6E3F0C0}">
-  <ds:schemaRefs>
-    <ds:schemaRef ds:uri="http://schemas.microsoft.com/office/2006/metadata/properties"/>
-    <ds:schemaRef ds:uri="http://schemas.microsoft.com/office/infopath/2007/PartnerControls"/>
-    <ds:schemaRef ds:uri="8635a931-6b84-420a-938b-bf6e93596a85"/>
-    <ds:schemaRef ds:uri="83665817-2bf1-470e-9d34-a1cdf51135fc"/>
-  </ds:schemaRefs>
-</ds:datastoreItem>
-</file>
-
-<file path=customXml/itemProps6.xml><?xml version="1.0" encoding="utf-8"?>
-<ds:datastoreItem xmlns:ds="http://schemas.openxmlformats.org/officeDocument/2006/customXml" ds:itemID="{DB215FA1-4FD3-42FD-A00D-2232EB3452BE}">
-  <ds:schemaRefs>
-    <ds:schemaRef ds:uri="http://schemas.microsoft.com/VisualStudio/2011/storyboarding/control"/>
-  </ds:schemaRefs>
-</ds:datastoreItem>
-</file>
-
-<file path=customXml/itemProps7.xml><?xml version="1.0" encoding="utf-8"?>
-<ds:datastoreItem xmlns:ds="http://schemas.openxmlformats.org/officeDocument/2006/customXml" ds:itemID="{C0AE690A-6DA2-4539-97E4-9CACEDAE07A0}">
-  <ds:schemaRefs>
-    <ds:schemaRef ds:uri="http://schemas.microsoft.com/VisualStudio/2011/storyboarding/control"/>
-  </ds:schemaRefs>
-</ds:datastoreItem>
-</file>
-
 <file path=customXml/itemProps8.xml><?xml version="1.0" encoding="utf-8"?>
-<ds:datastoreItem xmlns:ds="http://schemas.openxmlformats.org/officeDocument/2006/customXml" ds:itemID="{F79BED0A-E20E-4F16-91D3-BB18BCF17AE7}">
+<ds:datastoreItem xmlns:ds="http://schemas.openxmlformats.org/officeDocument/2006/customXml" ds:itemID="{11BDA43E-947F-4629-A7CA-0F1298F3BE36}">
   <ds:schemaRefs>
     <ds:schemaRef ds:uri="http://schemas.microsoft.com/VisualStudio/2011/storyboarding/control"/>
   </ds:schemaRefs>
@@ -13640,7 +14472,7 @@
 </file>
 
 <file path=customXml/itemProps9.xml><?xml version="1.0" encoding="utf-8"?>
-<ds:datastoreItem xmlns:ds="http://schemas.openxmlformats.org/officeDocument/2006/customXml" ds:itemID="{C4D067AF-DC92-4F11-82F5-13007749D8F7}">
+<ds:datastoreItem xmlns:ds="http://schemas.openxmlformats.org/officeDocument/2006/customXml" ds:itemID="{F79BED0A-E20E-4F16-91D3-BB18BCF17AE7}">
   <ds:schemaRefs>
     <ds:schemaRef ds:uri="http://schemas.microsoft.com/VisualStudio/2011/storyboarding/control"/>
   </ds:schemaRefs>
